--- a/你真配得讚美.pptx
+++ b/你真配得讚美.pptx
@@ -109,6 +109,11 @@
       </a:defRPr>
     </a:lvl9pPr>
   </p:defaultTextStyle>
+  <p:extLst>
+    <p:ext uri="{EFAFB233-063F-42B5-8137-9DF3F51BA10A}">
+      <p15:sldGuideLst xmlns:p15="http://schemas.microsoft.com/office/powerpoint/2012/main"/>
+    </p:ext>
+  </p:extLst>
 </p:presentation>
 </file>
 
@@ -293,7 +298,7 @@
           <a:p>
             <a:fld id="{5D7BD49A-1E9E-4F37-A0C1-79E24135C07A}" type="datetimeFigureOut">
               <a:rPr lang="vi-VN" smtClean="0"/>
-              <a:t>14/11/2020</a:t>
+              <a:t>04/03/2023</a:t>
             </a:fld>
             <a:endParaRPr lang="vi-VN"/>
           </a:p>
@@ -463,7 +468,7 @@
           <a:p>
             <a:fld id="{5D7BD49A-1E9E-4F37-A0C1-79E24135C07A}" type="datetimeFigureOut">
               <a:rPr lang="vi-VN" smtClean="0"/>
-              <a:t>14/11/2020</a:t>
+              <a:t>04/03/2023</a:t>
             </a:fld>
             <a:endParaRPr lang="vi-VN"/>
           </a:p>
@@ -643,7 +648,7 @@
           <a:p>
             <a:fld id="{5D7BD49A-1E9E-4F37-A0C1-79E24135C07A}" type="datetimeFigureOut">
               <a:rPr lang="vi-VN" smtClean="0"/>
-              <a:t>14/11/2020</a:t>
+              <a:t>04/03/2023</a:t>
             </a:fld>
             <a:endParaRPr lang="vi-VN"/>
           </a:p>
@@ -813,7 +818,7 @@
           <a:p>
             <a:fld id="{5D7BD49A-1E9E-4F37-A0C1-79E24135C07A}" type="datetimeFigureOut">
               <a:rPr lang="vi-VN" smtClean="0"/>
-              <a:t>14/11/2020</a:t>
+              <a:t>04/03/2023</a:t>
             </a:fld>
             <a:endParaRPr lang="vi-VN"/>
           </a:p>
@@ -1059,7 +1064,7 @@
           <a:p>
             <a:fld id="{5D7BD49A-1E9E-4F37-A0C1-79E24135C07A}" type="datetimeFigureOut">
               <a:rPr lang="vi-VN" smtClean="0"/>
-              <a:t>14/11/2020</a:t>
+              <a:t>04/03/2023</a:t>
             </a:fld>
             <a:endParaRPr lang="vi-VN"/>
           </a:p>
@@ -1347,7 +1352,7 @@
           <a:p>
             <a:fld id="{5D7BD49A-1E9E-4F37-A0C1-79E24135C07A}" type="datetimeFigureOut">
               <a:rPr lang="vi-VN" smtClean="0"/>
-              <a:t>14/11/2020</a:t>
+              <a:t>04/03/2023</a:t>
             </a:fld>
             <a:endParaRPr lang="vi-VN"/>
           </a:p>
@@ -1769,7 +1774,7 @@
           <a:p>
             <a:fld id="{5D7BD49A-1E9E-4F37-A0C1-79E24135C07A}" type="datetimeFigureOut">
               <a:rPr lang="vi-VN" smtClean="0"/>
-              <a:t>14/11/2020</a:t>
+              <a:t>04/03/2023</a:t>
             </a:fld>
             <a:endParaRPr lang="vi-VN"/>
           </a:p>
@@ -1887,7 +1892,7 @@
           <a:p>
             <a:fld id="{5D7BD49A-1E9E-4F37-A0C1-79E24135C07A}" type="datetimeFigureOut">
               <a:rPr lang="vi-VN" smtClean="0"/>
-              <a:t>14/11/2020</a:t>
+              <a:t>04/03/2023</a:t>
             </a:fld>
             <a:endParaRPr lang="vi-VN"/>
           </a:p>
@@ -1982,7 +1987,7 @@
           <a:p>
             <a:fld id="{5D7BD49A-1E9E-4F37-A0C1-79E24135C07A}" type="datetimeFigureOut">
               <a:rPr lang="vi-VN" smtClean="0"/>
-              <a:t>14/11/2020</a:t>
+              <a:t>04/03/2023</a:t>
             </a:fld>
             <a:endParaRPr lang="vi-VN"/>
           </a:p>
@@ -2259,7 +2264,7 @@
           <a:p>
             <a:fld id="{5D7BD49A-1E9E-4F37-A0C1-79E24135C07A}" type="datetimeFigureOut">
               <a:rPr lang="vi-VN" smtClean="0"/>
-              <a:t>14/11/2020</a:t>
+              <a:t>04/03/2023</a:t>
             </a:fld>
             <a:endParaRPr lang="vi-VN"/>
           </a:p>
@@ -2516,7 +2521,7 @@
           <a:p>
             <a:fld id="{5D7BD49A-1E9E-4F37-A0C1-79E24135C07A}" type="datetimeFigureOut">
               <a:rPr lang="vi-VN" smtClean="0"/>
-              <a:t>14/11/2020</a:t>
+              <a:t>04/03/2023</a:t>
             </a:fld>
             <a:endParaRPr lang="vi-VN"/>
           </a:p>
@@ -2734,7 +2739,7 @@
           <a:p>
             <a:fld id="{5D7BD49A-1E9E-4F37-A0C1-79E24135C07A}" type="datetimeFigureOut">
               <a:rPr lang="vi-VN" smtClean="0"/>
-              <a:t>14/11/2020</a:t>
+              <a:t>04/03/2023</a:t>
             </a:fld>
             <a:endParaRPr lang="vi-VN"/>
           </a:p>
@@ -3163,24 +3168,7 @@
                 <a:latin typeface="微軟正黑體" pitchFamily="34" charset="-120"/>
                 <a:ea typeface="微軟正黑體" pitchFamily="34" charset="-120"/>
               </a:rPr>
-              <a:t>真</a:t>
-            </a:r>
-            <a:r>
-              <a:rPr lang="zh-TW" altLang="en-US" sz="7200" b="1" i="1" dirty="0">
-                <a:solidFill>
-                  <a:srgbClr val="660033"/>
-                </a:solidFill>
-                <a:effectLst>
-                  <a:outerShdw blurRad="38100" dist="38100" dir="2700000" algn="tl">
-                    <a:srgbClr val="000000">
-                      <a:alpha val="43137"/>
-                    </a:srgbClr>
-                  </a:outerShdw>
-                </a:effectLst>
-                <a:latin typeface="微軟正黑體" pitchFamily="34" charset="-120"/>
-                <a:ea typeface="微軟正黑體" pitchFamily="34" charset="-120"/>
-              </a:rPr>
-              <a:t>配得讚美</a:t>
+              <a:t>真配得讚美</a:t>
             </a:r>
           </a:p>
         </p:txBody>
@@ -3248,17 +3236,17 @@
                 <a:latin typeface="微軟正黑體" pitchFamily="34" charset="-120"/>
                 <a:ea typeface="微軟正黑體" pitchFamily="34" charset="-120"/>
               </a:rPr>
-              <a:t>太</a:t>
-            </a:r>
-            <a:r>
-              <a:rPr lang="zh-TW" altLang="en-US" sz="6400" b="1" dirty="0">
+              <a:t>太陽不足彰顯</a:t>
+            </a:r>
+            <a:r>
+              <a:rPr lang="zh-CN" altLang="en-US" sz="6400" b="1" dirty="0">
                 <a:solidFill>
                   <a:srgbClr val="660033"/>
                 </a:solidFill>
                 <a:latin typeface="微軟正黑體" pitchFamily="34" charset="-120"/>
                 <a:ea typeface="微軟正黑體" pitchFamily="34" charset="-120"/>
               </a:rPr>
-              <a:t>陽不足彰</a:t>
+              <a:t>袮</a:t>
             </a:r>
             <a:r>
               <a:rPr lang="zh-TW" altLang="en-US" sz="6400" b="1" dirty="0">
@@ -3268,47 +3256,7 @@
                 <a:latin typeface="微軟正黑體" pitchFamily="34" charset="-120"/>
                 <a:ea typeface="微軟正黑體" pitchFamily="34" charset="-120"/>
               </a:rPr>
-              <a:t>顯</a:t>
-            </a:r>
-            <a:r>
-              <a:rPr lang="zh-CN" altLang="en-US" sz="6400" b="1" dirty="0">
-                <a:solidFill>
-                  <a:srgbClr val="660033"/>
-                </a:solidFill>
-                <a:latin typeface="微軟正黑體" pitchFamily="34" charset="-120"/>
-                <a:ea typeface="微軟正黑體" pitchFamily="34" charset="-120"/>
-              </a:rPr>
-              <a:t>袮</a:t>
-            </a:r>
-            <a:r>
-              <a:rPr lang="zh-TW" altLang="en-US" sz="6400" b="1" dirty="0">
-                <a:solidFill>
-                  <a:srgbClr val="660033"/>
-                </a:solidFill>
-                <a:latin typeface="微軟正黑體" pitchFamily="34" charset="-120"/>
-                <a:ea typeface="微軟正黑體" pitchFamily="34" charset="-120"/>
-              </a:rPr>
-              <a:t>的</a:t>
-            </a:r>
-            <a:r>
-              <a:rPr lang="zh-TW" altLang="en-US" sz="6400" b="1" dirty="0">
-                <a:solidFill>
-                  <a:srgbClr val="660033"/>
-                </a:solidFill>
-                <a:latin typeface="微軟正黑體" pitchFamily="34" charset="-120"/>
-                <a:ea typeface="微軟正黑體" pitchFamily="34" charset="-120"/>
-              </a:rPr>
-              <a:t>光</a:t>
-            </a:r>
-            <a:r>
-              <a:rPr lang="zh-TW" altLang="en-US" sz="6400" b="1" dirty="0">
-                <a:solidFill>
-                  <a:srgbClr val="660033"/>
-                </a:solidFill>
-                <a:latin typeface="微軟正黑體" pitchFamily="34" charset="-120"/>
-                <a:ea typeface="微軟正黑體" pitchFamily="34" charset="-120"/>
-              </a:rPr>
-              <a:t>輝</a:t>
+              <a:t>的光輝</a:t>
             </a:r>
             <a:endParaRPr lang="en-US" altLang="zh-TW" sz="6400" b="1" dirty="0">
               <a:solidFill>
@@ -3330,17 +3278,17 @@
                 <a:latin typeface="微軟正黑體" pitchFamily="34" charset="-120"/>
                 <a:ea typeface="微軟正黑體" pitchFamily="34" charset="-120"/>
               </a:rPr>
-              <a:t>藍</a:t>
-            </a:r>
-            <a:r>
-              <a:rPr lang="zh-TW" altLang="en-US" sz="6400" b="1" dirty="0">
+              <a:t>藍天裝不下</a:t>
+            </a:r>
+            <a:r>
+              <a:rPr lang="zh-CN" altLang="en-US" sz="6400" b="1" dirty="0">
                 <a:solidFill>
                   <a:srgbClr val="660033"/>
                 </a:solidFill>
                 <a:latin typeface="微軟正黑體" pitchFamily="34" charset="-120"/>
                 <a:ea typeface="微軟正黑體" pitchFamily="34" charset="-120"/>
               </a:rPr>
-              <a:t>天裝不</a:t>
+              <a:t>袮</a:t>
             </a:r>
             <a:r>
               <a:rPr lang="zh-TW" altLang="en-US" sz="6400" b="1" dirty="0">
@@ -3350,37 +3298,7 @@
                 <a:latin typeface="微軟正黑體" pitchFamily="34" charset="-120"/>
                 <a:ea typeface="微軟正黑體" pitchFamily="34" charset="-120"/>
               </a:rPr>
-              <a:t>下</a:t>
-            </a:r>
-            <a:r>
-              <a:rPr lang="zh-CN" altLang="en-US" sz="6400" b="1" dirty="0">
-                <a:solidFill>
-                  <a:srgbClr val="660033"/>
-                </a:solidFill>
-                <a:latin typeface="微軟正黑體" pitchFamily="34" charset="-120"/>
-                <a:ea typeface="微軟正黑體" pitchFamily="34" charset="-120"/>
-              </a:rPr>
-              <a:t>袮</a:t>
-            </a:r>
-            <a:r>
-              <a:rPr lang="zh-TW" altLang="en-US" sz="6400" b="1" dirty="0">
-                <a:solidFill>
-                  <a:srgbClr val="660033"/>
-                </a:solidFill>
-                <a:latin typeface="微軟正黑體" pitchFamily="34" charset="-120"/>
-                <a:ea typeface="微軟正黑體" pitchFamily="34" charset="-120"/>
-              </a:rPr>
-              <a:t>的</a:t>
-            </a:r>
-            <a:r>
-              <a:rPr lang="zh-TW" altLang="en-US" sz="6400" b="1" dirty="0">
-                <a:solidFill>
-                  <a:srgbClr val="660033"/>
-                </a:solidFill>
-                <a:latin typeface="微軟正黑體" pitchFamily="34" charset="-120"/>
-                <a:ea typeface="微軟正黑體" pitchFamily="34" charset="-120"/>
-              </a:rPr>
-              <a:t>意念</a:t>
+              <a:t>的意念</a:t>
             </a:r>
             <a:endParaRPr lang="en-US" altLang="zh-TW" sz="6400" b="1" dirty="0">
               <a:solidFill>
@@ -3388,6 +3306,78 @@
               </a:solidFill>
               <a:latin typeface="微軟正黑體" pitchFamily="34" charset="-120"/>
               <a:ea typeface="微軟正黑體" pitchFamily="34" charset="-120"/>
+            </a:endParaRPr>
+          </a:p>
+        </p:txBody>
+      </p:sp>
+      <p:sp>
+        <p:nvSpPr>
+          <p:cNvPr id="3" name="TextBox 2"/>
+          <p:cNvSpPr txBox="1"/>
+          <p:nvPr/>
+        </p:nvSpPr>
+        <p:spPr>
+          <a:xfrm>
+            <a:off x="0" y="5245433"/>
+            <a:ext cx="12192000" cy="646331"/>
+          </a:xfrm>
+          <a:prstGeom prst="rect">
+            <a:avLst/>
+          </a:prstGeom>
+          <a:noFill/>
+        </p:spPr>
+        <p:txBody>
+          <a:bodyPr wrap="square" rtlCol="0">
+            <a:spAutoFit/>
+          </a:bodyPr>
+          <a:lstStyle/>
+          <a:p>
+            <a:pPr algn="ctr"/>
+            <a:r>
+              <a:rPr lang="en-US" sz="3600" b="1" dirty="0">
+                <a:solidFill>
+                  <a:srgbClr val="660033"/>
+                </a:solidFill>
+                <a:latin typeface="Microsoft JhengHei" panose="020B0604030504040204" pitchFamily="34" charset="-120"/>
+                <a:ea typeface="Microsoft JhengHei" panose="020B0604030504040204" pitchFamily="34" charset="-120"/>
+              </a:rPr>
+              <a:t>( </a:t>
+            </a:r>
+            <a:r>
+              <a:rPr lang="zh-CN" altLang="en-US" sz="3600" b="1" dirty="0" smtClean="0">
+                <a:solidFill>
+                  <a:srgbClr val="660033"/>
+                </a:solidFill>
+                <a:latin typeface="Microsoft JhengHei" panose="020B0604030504040204" pitchFamily="34" charset="-120"/>
+                <a:ea typeface="Microsoft JhengHei" panose="020B0604030504040204" pitchFamily="34" charset="-120"/>
+              </a:rPr>
+              <a:t>正歌</a:t>
+            </a:r>
+            <a:r>
+              <a:rPr lang="en-US" sz="3600" b="1" dirty="0" smtClean="0">
+                <a:solidFill>
+                  <a:srgbClr val="660033"/>
+                </a:solidFill>
+                <a:latin typeface="Microsoft JhengHei" panose="020B0604030504040204" pitchFamily="34" charset="-120"/>
+                <a:ea typeface="Microsoft JhengHei" panose="020B0604030504040204" pitchFamily="34" charset="-120"/>
+              </a:rPr>
+              <a:t> </a:t>
+            </a:r>
+            <a:r>
+              <a:rPr lang="en-US" sz="3600" b="1" dirty="0">
+                <a:solidFill>
+                  <a:srgbClr val="660033"/>
+                </a:solidFill>
+                <a:latin typeface="Microsoft JhengHei" panose="020B0604030504040204" pitchFamily="34" charset="-120"/>
+                <a:ea typeface="Microsoft JhengHei" panose="020B0604030504040204" pitchFamily="34" charset="-120"/>
+              </a:rPr>
+              <a:t>)</a:t>
+            </a:r>
+            <a:endParaRPr lang="vi-VN" sz="3600" b="1" dirty="0">
+              <a:solidFill>
+                <a:srgbClr val="660033"/>
+              </a:solidFill>
+              <a:ea typeface="Microsoft JhengHei" panose="020B0604030504040204" pitchFamily="34" charset="-120"/>
             </a:endParaRPr>
           </a:p>
         </p:txBody>
@@ -3455,57 +3445,27 @@
                 <a:latin typeface="微軟正黑體" pitchFamily="34" charset="-120"/>
                 <a:ea typeface="微軟正黑體" pitchFamily="34" charset="-120"/>
               </a:rPr>
-              <a:t>繁星數不</a:t>
-            </a:r>
-            <a:r>
-              <a:rPr lang="zh-TW" altLang="en-US" sz="6400" b="1" dirty="0">
+              <a:t>繁星數不盡</a:t>
+            </a:r>
+            <a:r>
+              <a:rPr lang="zh-CN" altLang="en-US" sz="6400" b="1" dirty="0">
                 <a:solidFill>
                   <a:srgbClr val="660033"/>
                 </a:solidFill>
                 <a:latin typeface="微軟正黑體" pitchFamily="34" charset="-120"/>
                 <a:ea typeface="微軟正黑體" pitchFamily="34" charset="-120"/>
               </a:rPr>
-              <a:t>盡</a:t>
-            </a:r>
-            <a:r>
-              <a:rPr lang="zh-CN" altLang="en-US" sz="6400" b="1" dirty="0">
+              <a:t>袮</a:t>
+            </a:r>
+            <a:r>
+              <a:rPr lang="zh-TW" altLang="en-US" sz="6400" b="1" dirty="0">
                 <a:solidFill>
                   <a:srgbClr val="660033"/>
                 </a:solidFill>
                 <a:latin typeface="微軟正黑體" pitchFamily="34" charset="-120"/>
                 <a:ea typeface="微軟正黑體" pitchFamily="34" charset="-120"/>
               </a:rPr>
-              <a:t>袮</a:t>
-            </a:r>
-            <a:r>
-              <a:rPr lang="zh-TW" altLang="en-US" sz="6400" b="1" dirty="0">
-                <a:solidFill>
-                  <a:srgbClr val="660033"/>
-                </a:solidFill>
-                <a:latin typeface="微軟正黑體" pitchFamily="34" charset="-120"/>
-                <a:ea typeface="微軟正黑體" pitchFamily="34" charset="-120"/>
-              </a:rPr>
-              <a:t>的</a:t>
-            </a:r>
-            <a:r>
-              <a:rPr lang="zh-TW" altLang="en-US" sz="6400" b="1" dirty="0">
-                <a:solidFill>
-                  <a:srgbClr val="660033"/>
-                </a:solidFill>
-                <a:latin typeface="微軟正黑體" pitchFamily="34" charset="-120"/>
-                <a:ea typeface="微軟正黑體" pitchFamily="34" charset="-120"/>
-              </a:rPr>
-              <a:t>恩</a:t>
-            </a:r>
-            <a:r>
-              <a:rPr lang="zh-TW" altLang="en-US" sz="6400" b="1" dirty="0">
-                <a:solidFill>
-                  <a:srgbClr val="660033"/>
-                </a:solidFill>
-                <a:latin typeface="微軟正黑體" pitchFamily="34" charset="-120"/>
-                <a:ea typeface="微軟正黑體" pitchFamily="34" charset="-120"/>
-              </a:rPr>
-              <a:t>典</a:t>
+              <a:t>的恩典</a:t>
             </a:r>
             <a:endParaRPr lang="en-US" altLang="zh-TW" sz="6400" b="1" dirty="0">
               <a:solidFill>
@@ -3527,17 +3487,17 @@
                 <a:latin typeface="微軟正黑體" pitchFamily="34" charset="-120"/>
                 <a:ea typeface="微軟正黑體" pitchFamily="34" charset="-120"/>
               </a:rPr>
-              <a:t>群</a:t>
-            </a:r>
-            <a:r>
-              <a:rPr lang="zh-TW" altLang="en-US" sz="6400" b="1" dirty="0">
+              <a:t>群山無以表明</a:t>
+            </a:r>
+            <a:r>
+              <a:rPr lang="zh-CN" altLang="en-US" sz="6400" b="1" dirty="0">
                 <a:solidFill>
                   <a:srgbClr val="660033"/>
                 </a:solidFill>
                 <a:latin typeface="微軟正黑體" pitchFamily="34" charset="-120"/>
                 <a:ea typeface="微軟正黑體" pitchFamily="34" charset="-120"/>
               </a:rPr>
-              <a:t>山無以表</a:t>
+              <a:t>袮</a:t>
             </a:r>
             <a:r>
               <a:rPr lang="zh-TW" altLang="en-US" sz="6400" b="1" dirty="0">
@@ -3547,37 +3507,7 @@
                 <a:latin typeface="微軟正黑體" pitchFamily="34" charset="-120"/>
                 <a:ea typeface="微軟正黑體" pitchFamily="34" charset="-120"/>
               </a:rPr>
-              <a:t>明</a:t>
-            </a:r>
-            <a:r>
-              <a:rPr lang="zh-CN" altLang="en-US" sz="6400" b="1" dirty="0">
-                <a:solidFill>
-                  <a:srgbClr val="660033"/>
-                </a:solidFill>
-                <a:latin typeface="微軟正黑體" pitchFamily="34" charset="-120"/>
-                <a:ea typeface="微軟正黑體" pitchFamily="34" charset="-120"/>
-              </a:rPr>
-              <a:t>袮</a:t>
-            </a:r>
-            <a:r>
-              <a:rPr lang="zh-TW" altLang="en-US" sz="6400" b="1" dirty="0">
-                <a:solidFill>
-                  <a:srgbClr val="660033"/>
-                </a:solidFill>
-                <a:latin typeface="微軟正黑體" pitchFamily="34" charset="-120"/>
-                <a:ea typeface="微軟正黑體" pitchFamily="34" charset="-120"/>
-              </a:rPr>
-              <a:t>威</a:t>
-            </a:r>
-            <a:r>
-              <a:rPr lang="zh-TW" altLang="en-US" sz="6400" b="1" dirty="0">
-                <a:solidFill>
-                  <a:srgbClr val="660033"/>
-                </a:solidFill>
-                <a:latin typeface="微軟正黑體" pitchFamily="34" charset="-120"/>
-                <a:ea typeface="微軟正黑體" pitchFamily="34" charset="-120"/>
-              </a:rPr>
-              <a:t>嚴</a:t>
+              <a:t>威嚴</a:t>
             </a:r>
             <a:endParaRPr lang="en-US" altLang="zh-TW" sz="6400" b="1" dirty="0">
               <a:solidFill>
@@ -3585,6 +3515,68 @@
               </a:solidFill>
               <a:latin typeface="微軟正黑體" pitchFamily="34" charset="-120"/>
               <a:ea typeface="微軟正黑體" pitchFamily="34" charset="-120"/>
+            </a:endParaRPr>
+          </a:p>
+        </p:txBody>
+      </p:sp>
+      <p:sp>
+        <p:nvSpPr>
+          <p:cNvPr id="3" name="TextBox 2"/>
+          <p:cNvSpPr txBox="1"/>
+          <p:nvPr/>
+        </p:nvSpPr>
+        <p:spPr>
+          <a:xfrm>
+            <a:off x="0" y="5245433"/>
+            <a:ext cx="12192000" cy="646331"/>
+          </a:xfrm>
+          <a:prstGeom prst="rect">
+            <a:avLst/>
+          </a:prstGeom>
+          <a:noFill/>
+        </p:spPr>
+        <p:txBody>
+          <a:bodyPr wrap="square" rtlCol="0">
+            <a:spAutoFit/>
+          </a:bodyPr>
+          <a:lstStyle/>
+          <a:p>
+            <a:pPr algn="ctr"/>
+            <a:r>
+              <a:rPr lang="en-US" sz="3600" b="1" dirty="0">
+                <a:solidFill>
+                  <a:srgbClr val="660033"/>
+                </a:solidFill>
+                <a:latin typeface="Microsoft JhengHei" panose="020B0604030504040204" pitchFamily="34" charset="-120"/>
+                <a:ea typeface="Microsoft JhengHei" panose="020B0604030504040204" pitchFamily="34" charset="-120"/>
+              </a:rPr>
+              <a:t>( </a:t>
+            </a:r>
+            <a:r>
+              <a:rPr lang="zh-CN" altLang="en-US" sz="3600" b="1" dirty="0">
+                <a:solidFill>
+                  <a:srgbClr val="660033"/>
+                </a:solidFill>
+                <a:latin typeface="Microsoft JhengHei" panose="020B0604030504040204" pitchFamily="34" charset="-120"/>
+                <a:ea typeface="Microsoft JhengHei" panose="020B0604030504040204" pitchFamily="34" charset="-120"/>
+              </a:rPr>
+              <a:t>正歌</a:t>
+            </a:r>
+            <a:r>
+              <a:rPr lang="en-US" sz="3600" b="1" dirty="0">
+                <a:solidFill>
+                  <a:srgbClr val="660033"/>
+                </a:solidFill>
+                <a:latin typeface="Microsoft JhengHei" panose="020B0604030504040204" pitchFamily="34" charset="-120"/>
+                <a:ea typeface="Microsoft JhengHei" panose="020B0604030504040204" pitchFamily="34" charset="-120"/>
+              </a:rPr>
+              <a:t> )</a:t>
+            </a:r>
+            <a:endParaRPr lang="vi-VN" sz="3600" b="1" dirty="0">
+              <a:solidFill>
+                <a:srgbClr val="660033"/>
+              </a:solidFill>
+              <a:ea typeface="Microsoft JhengHei" panose="020B0604030504040204" pitchFamily="34" charset="-120"/>
             </a:endParaRPr>
           </a:p>
         </p:txBody>
@@ -3672,27 +3664,7 @@
                 <a:latin typeface="微軟正黑體" pitchFamily="34" charset="-120"/>
                 <a:ea typeface="微軟正黑體" pitchFamily="34" charset="-120"/>
               </a:rPr>
-              <a:t>真</a:t>
-            </a:r>
-            <a:r>
-              <a:rPr lang="zh-TW" altLang="en-US" sz="6400" b="1" dirty="0">
-                <a:solidFill>
-                  <a:srgbClr val="660033"/>
-                </a:solidFill>
-                <a:latin typeface="微軟正黑體" pitchFamily="34" charset="-120"/>
-                <a:ea typeface="微軟正黑體" pitchFamily="34" charset="-120"/>
-              </a:rPr>
-              <a:t>配得讚</a:t>
-            </a:r>
-            <a:r>
-              <a:rPr lang="zh-TW" altLang="en-US" sz="6400" b="1" dirty="0">
-                <a:solidFill>
-                  <a:srgbClr val="660033"/>
-                </a:solidFill>
-                <a:latin typeface="微軟正黑體" pitchFamily="34" charset="-120"/>
-                <a:ea typeface="微軟正黑體" pitchFamily="34" charset="-120"/>
-              </a:rPr>
-              <a:t>美</a:t>
+              <a:t>真配得讚美</a:t>
             </a:r>
             <a:endParaRPr lang="en-US" altLang="zh-TW" sz="6400" b="1" dirty="0">
               <a:solidFill>
@@ -3714,17 +3686,17 @@
                 <a:latin typeface="微軟正黑體" pitchFamily="34" charset="-120"/>
                 <a:ea typeface="微軟正黑體" pitchFamily="34" charset="-120"/>
               </a:rPr>
-              <a:t>哦</a:t>
-            </a:r>
-            <a:r>
-              <a:rPr lang="zh-TW" altLang="en-US" sz="6400" b="1" dirty="0">
+              <a:t>哦  耶穌唯</a:t>
+            </a:r>
+            <a:r>
+              <a:rPr lang="zh-CN" altLang="en-US" sz="6400" b="1" dirty="0">
                 <a:solidFill>
                   <a:srgbClr val="660033"/>
                 </a:solidFill>
                 <a:latin typeface="微軟正黑體" pitchFamily="34" charset="-120"/>
                 <a:ea typeface="微軟正黑體" pitchFamily="34" charset="-120"/>
               </a:rPr>
-              <a:t> </a:t>
+              <a:t>袮</a:t>
             </a:r>
             <a:r>
               <a:rPr lang="zh-TW" altLang="en-US" sz="6400" b="1" dirty="0">
@@ -3734,57 +3706,7 @@
                 <a:latin typeface="微軟正黑體" pitchFamily="34" charset="-120"/>
                 <a:ea typeface="微軟正黑體" pitchFamily="34" charset="-120"/>
               </a:rPr>
-              <a:t> 耶</a:t>
-            </a:r>
-            <a:r>
-              <a:rPr lang="zh-TW" altLang="en-US" sz="6400" b="1" dirty="0">
-                <a:solidFill>
-                  <a:srgbClr val="660033"/>
-                </a:solidFill>
-                <a:latin typeface="微軟正黑體" pitchFamily="34" charset="-120"/>
-                <a:ea typeface="微軟正黑體" pitchFamily="34" charset="-120"/>
-              </a:rPr>
-              <a:t>穌</a:t>
-            </a:r>
-            <a:r>
-              <a:rPr lang="zh-TW" altLang="en-US" sz="6400" b="1" dirty="0">
-                <a:solidFill>
-                  <a:srgbClr val="660033"/>
-                </a:solidFill>
-                <a:latin typeface="微軟正黑體" pitchFamily="34" charset="-120"/>
-                <a:ea typeface="微軟正黑體" pitchFamily="34" charset="-120"/>
-              </a:rPr>
-              <a:t>唯</a:t>
-            </a:r>
-            <a:r>
-              <a:rPr lang="zh-CN" altLang="en-US" sz="6400" b="1" dirty="0">
-                <a:solidFill>
-                  <a:srgbClr val="660033"/>
-                </a:solidFill>
-                <a:latin typeface="微軟正黑體" pitchFamily="34" charset="-120"/>
-                <a:ea typeface="微軟正黑體" pitchFamily="34" charset="-120"/>
-              </a:rPr>
-              <a:t>袮</a:t>
-            </a:r>
-            <a:r>
-              <a:rPr lang="zh-TW" altLang="en-US" sz="6400" b="1" dirty="0">
-                <a:solidFill>
-                  <a:srgbClr val="660033"/>
-                </a:solidFill>
-                <a:latin typeface="微軟正黑體" pitchFamily="34" charset="-120"/>
-                <a:ea typeface="微軟正黑體" pitchFamily="34" charset="-120"/>
-              </a:rPr>
-              <a:t>配</a:t>
-            </a:r>
-            <a:r>
-              <a:rPr lang="zh-TW" altLang="en-US" sz="6400" b="1" dirty="0">
-                <a:solidFill>
-                  <a:srgbClr val="660033"/>
-                </a:solidFill>
-                <a:latin typeface="微軟正黑體" pitchFamily="34" charset="-120"/>
-                <a:ea typeface="微軟正黑體" pitchFamily="34" charset="-120"/>
-              </a:rPr>
-              <a:t>受敬畏</a:t>
+              <a:t>配受敬畏</a:t>
             </a:r>
             <a:endParaRPr lang="en-US" altLang="zh-TW" sz="6400" b="1" dirty="0">
               <a:solidFill>
@@ -3792,6 +3714,78 @@
               </a:solidFill>
               <a:latin typeface="微軟正黑體" pitchFamily="34" charset="-120"/>
               <a:ea typeface="微軟正黑體" pitchFamily="34" charset="-120"/>
+            </a:endParaRPr>
+          </a:p>
+        </p:txBody>
+      </p:sp>
+      <p:sp>
+        <p:nvSpPr>
+          <p:cNvPr id="3" name="TextBox 2"/>
+          <p:cNvSpPr txBox="1"/>
+          <p:nvPr/>
+        </p:nvSpPr>
+        <p:spPr>
+          <a:xfrm>
+            <a:off x="0" y="5245433"/>
+            <a:ext cx="12192000" cy="646331"/>
+          </a:xfrm>
+          <a:prstGeom prst="rect">
+            <a:avLst/>
+          </a:prstGeom>
+          <a:noFill/>
+        </p:spPr>
+        <p:txBody>
+          <a:bodyPr wrap="square" rtlCol="0">
+            <a:spAutoFit/>
+          </a:bodyPr>
+          <a:lstStyle/>
+          <a:p>
+            <a:pPr algn="ctr"/>
+            <a:r>
+              <a:rPr lang="en-US" sz="3600" b="1" dirty="0">
+                <a:solidFill>
+                  <a:srgbClr val="660033"/>
+                </a:solidFill>
+                <a:latin typeface="Microsoft JhengHei" panose="020B0604030504040204" pitchFamily="34" charset="-120"/>
+                <a:ea typeface="Microsoft JhengHei" panose="020B0604030504040204" pitchFamily="34" charset="-120"/>
+              </a:rPr>
+              <a:t>( </a:t>
+            </a:r>
+            <a:r>
+              <a:rPr lang="zh-CN" altLang="en-US" sz="3600" b="1" dirty="0">
+                <a:solidFill>
+                  <a:srgbClr val="660033"/>
+                </a:solidFill>
+                <a:latin typeface="Microsoft JhengHei" panose="020B0604030504040204" pitchFamily="34" charset="-120"/>
+                <a:ea typeface="Microsoft JhengHei" panose="020B0604030504040204" pitchFamily="34" charset="-120"/>
+              </a:rPr>
+              <a:t>副</a:t>
+            </a:r>
+            <a:r>
+              <a:rPr lang="zh-CN" altLang="en-US" sz="3600" b="1" dirty="0" smtClean="0">
+                <a:solidFill>
+                  <a:srgbClr val="660033"/>
+                </a:solidFill>
+                <a:latin typeface="Microsoft JhengHei" panose="020B0604030504040204" pitchFamily="34" charset="-120"/>
+                <a:ea typeface="Microsoft JhengHei" panose="020B0604030504040204" pitchFamily="34" charset="-120"/>
+              </a:rPr>
+              <a:t>歌 </a:t>
+            </a:r>
+            <a:r>
+              <a:rPr lang="en-US" sz="3600" b="1" dirty="0" smtClean="0">
+                <a:solidFill>
+                  <a:srgbClr val="660033"/>
+                </a:solidFill>
+                <a:latin typeface="Microsoft JhengHei" panose="020B0604030504040204" pitchFamily="34" charset="-120"/>
+                <a:ea typeface="Microsoft JhengHei" panose="020B0604030504040204" pitchFamily="34" charset="-120"/>
+              </a:rPr>
+              <a:t>)</a:t>
+            </a:r>
+            <a:endParaRPr lang="vi-VN" sz="3600" b="1" dirty="0">
+              <a:solidFill>
+                <a:srgbClr val="660033"/>
+              </a:solidFill>
+              <a:ea typeface="Microsoft JhengHei" panose="020B0604030504040204" pitchFamily="34" charset="-120"/>
             </a:endParaRPr>
           </a:p>
         </p:txBody>
@@ -3859,57 +3853,27 @@
                 <a:latin typeface="微軟正黑體" pitchFamily="34" charset="-120"/>
                 <a:ea typeface="微軟正黑體" pitchFamily="34" charset="-120"/>
               </a:rPr>
-              <a:t>誰能述</a:t>
-            </a:r>
-            <a:r>
-              <a:rPr lang="zh-TW" altLang="en-US" sz="6400" b="1" dirty="0">
+              <a:t>誰能述說</a:t>
+            </a:r>
+            <a:r>
+              <a:rPr lang="zh-CN" altLang="en-US" sz="6400" b="1" dirty="0">
                 <a:solidFill>
                   <a:srgbClr val="660033"/>
                 </a:solidFill>
                 <a:latin typeface="微軟正黑體" pitchFamily="34" charset="-120"/>
                 <a:ea typeface="微軟正黑體" pitchFamily="34" charset="-120"/>
               </a:rPr>
-              <a:t>說</a:t>
-            </a:r>
-            <a:r>
-              <a:rPr lang="zh-CN" altLang="en-US" sz="6400" b="1" dirty="0">
+              <a:t>袮</a:t>
+            </a:r>
+            <a:r>
+              <a:rPr lang="zh-TW" altLang="en-US" sz="6400" b="1" dirty="0">
                 <a:solidFill>
                   <a:srgbClr val="660033"/>
                 </a:solidFill>
                 <a:latin typeface="微軟正黑體" pitchFamily="34" charset="-120"/>
                 <a:ea typeface="微軟正黑體" pitchFamily="34" charset="-120"/>
               </a:rPr>
-              <a:t>袮</a:t>
-            </a:r>
-            <a:r>
-              <a:rPr lang="zh-TW" altLang="en-US" sz="6400" b="1" dirty="0">
-                <a:solidFill>
-                  <a:srgbClr val="660033"/>
-                </a:solidFill>
-                <a:latin typeface="微軟正黑體" pitchFamily="34" charset="-120"/>
-                <a:ea typeface="微軟正黑體" pitchFamily="34" charset="-120"/>
-              </a:rPr>
-              <a:t>無</a:t>
-            </a:r>
-            <a:r>
-              <a:rPr lang="zh-TW" altLang="en-US" sz="6400" b="1" dirty="0">
-                <a:solidFill>
-                  <a:srgbClr val="660033"/>
-                </a:solidFill>
-                <a:latin typeface="微軟正黑體" pitchFamily="34" charset="-120"/>
-                <a:ea typeface="微軟正黑體" pitchFamily="34" charset="-120"/>
-              </a:rPr>
-              <a:t>比的榮</a:t>
-            </a:r>
-            <a:r>
-              <a:rPr lang="zh-TW" altLang="en-US" sz="6400" b="1" dirty="0">
-                <a:solidFill>
-                  <a:srgbClr val="660033"/>
-                </a:solidFill>
-                <a:latin typeface="微軟正黑體" pitchFamily="34" charset="-120"/>
-                <a:ea typeface="微軟正黑體" pitchFamily="34" charset="-120"/>
-              </a:rPr>
-              <a:t>美</a:t>
+              <a:t>無比的榮美</a:t>
             </a:r>
             <a:endParaRPr lang="en-US" altLang="zh-TW" sz="6400" b="1" dirty="0">
               <a:solidFill>
@@ -3931,17 +3895,17 @@
                 <a:latin typeface="微軟正黑體" pitchFamily="34" charset="-120"/>
                 <a:ea typeface="微軟正黑體" pitchFamily="34" charset="-120"/>
               </a:rPr>
-              <a:t>誰</a:t>
-            </a:r>
-            <a:r>
-              <a:rPr lang="zh-TW" altLang="en-US" sz="6400" b="1" dirty="0">
+              <a:t>誰能測度</a:t>
+            </a:r>
+            <a:r>
+              <a:rPr lang="zh-CN" altLang="en-US" sz="6400" b="1" dirty="0">
                 <a:solidFill>
                   <a:srgbClr val="660033"/>
                 </a:solidFill>
                 <a:latin typeface="微軟正黑體" pitchFamily="34" charset="-120"/>
                 <a:ea typeface="微軟正黑體" pitchFamily="34" charset="-120"/>
               </a:rPr>
-              <a:t>能測</a:t>
+              <a:t>袮</a:t>
             </a:r>
             <a:r>
               <a:rPr lang="zh-TW" altLang="en-US" sz="6400" b="1" dirty="0">
@@ -3951,37 +3915,7 @@
                 <a:latin typeface="微軟正黑體" pitchFamily="34" charset="-120"/>
                 <a:ea typeface="微軟正黑體" pitchFamily="34" charset="-120"/>
               </a:rPr>
-              <a:t>度</a:t>
-            </a:r>
-            <a:r>
-              <a:rPr lang="zh-CN" altLang="en-US" sz="6400" b="1" dirty="0">
-                <a:solidFill>
-                  <a:srgbClr val="660033"/>
-                </a:solidFill>
-                <a:latin typeface="微軟正黑體" pitchFamily="34" charset="-120"/>
-                <a:ea typeface="微軟正黑體" pitchFamily="34" charset="-120"/>
-              </a:rPr>
-              <a:t>袮</a:t>
-            </a:r>
-            <a:r>
-              <a:rPr lang="zh-TW" altLang="en-US" sz="6400" b="1" dirty="0">
-                <a:solidFill>
-                  <a:srgbClr val="660033"/>
-                </a:solidFill>
-                <a:latin typeface="微軟正黑體" pitchFamily="34" charset="-120"/>
-                <a:ea typeface="微軟正黑體" pitchFamily="34" charset="-120"/>
-              </a:rPr>
-              <a:t>無</a:t>
-            </a:r>
-            <a:r>
-              <a:rPr lang="zh-TW" altLang="en-US" sz="6400" b="1" dirty="0">
-                <a:solidFill>
-                  <a:srgbClr val="660033"/>
-                </a:solidFill>
-                <a:latin typeface="微軟正黑體" pitchFamily="34" charset="-120"/>
-                <a:ea typeface="微軟正黑體" pitchFamily="34" charset="-120"/>
-              </a:rPr>
-              <a:t>限的智慧</a:t>
+              <a:t>無限的智慧</a:t>
             </a:r>
             <a:endParaRPr lang="en-US" altLang="zh-TW" sz="6400" b="1" dirty="0">
               <a:solidFill>
@@ -3989,6 +3923,68 @@
               </a:solidFill>
               <a:latin typeface="微軟正黑體" pitchFamily="34" charset="-120"/>
               <a:ea typeface="微軟正黑體" pitchFamily="34" charset="-120"/>
+            </a:endParaRPr>
+          </a:p>
+        </p:txBody>
+      </p:sp>
+      <p:sp>
+        <p:nvSpPr>
+          <p:cNvPr id="3" name="TextBox 2"/>
+          <p:cNvSpPr txBox="1"/>
+          <p:nvPr/>
+        </p:nvSpPr>
+        <p:spPr>
+          <a:xfrm>
+            <a:off x="0" y="5245433"/>
+            <a:ext cx="12192000" cy="646331"/>
+          </a:xfrm>
+          <a:prstGeom prst="rect">
+            <a:avLst/>
+          </a:prstGeom>
+          <a:noFill/>
+        </p:spPr>
+        <p:txBody>
+          <a:bodyPr wrap="square" rtlCol="0">
+            <a:spAutoFit/>
+          </a:bodyPr>
+          <a:lstStyle/>
+          <a:p>
+            <a:pPr algn="ctr"/>
+            <a:r>
+              <a:rPr lang="en-US" sz="3600" b="1" dirty="0">
+                <a:solidFill>
+                  <a:srgbClr val="660033"/>
+                </a:solidFill>
+                <a:latin typeface="Microsoft JhengHei" panose="020B0604030504040204" pitchFamily="34" charset="-120"/>
+                <a:ea typeface="Microsoft JhengHei" panose="020B0604030504040204" pitchFamily="34" charset="-120"/>
+              </a:rPr>
+              <a:t>( </a:t>
+            </a:r>
+            <a:r>
+              <a:rPr lang="zh-CN" altLang="en-US" sz="3600" b="1" dirty="0">
+                <a:solidFill>
+                  <a:srgbClr val="660033"/>
+                </a:solidFill>
+                <a:latin typeface="Microsoft JhengHei" panose="020B0604030504040204" pitchFamily="34" charset="-120"/>
+                <a:ea typeface="Microsoft JhengHei" panose="020B0604030504040204" pitchFamily="34" charset="-120"/>
+              </a:rPr>
+              <a:t>副歌 </a:t>
+            </a:r>
+            <a:r>
+              <a:rPr lang="en-US" sz="3600" b="1" dirty="0">
+                <a:solidFill>
+                  <a:srgbClr val="660033"/>
+                </a:solidFill>
+                <a:latin typeface="Microsoft JhengHei" panose="020B0604030504040204" pitchFamily="34" charset="-120"/>
+                <a:ea typeface="Microsoft JhengHei" panose="020B0604030504040204" pitchFamily="34" charset="-120"/>
+              </a:rPr>
+              <a:t>)</a:t>
+            </a:r>
+            <a:endParaRPr lang="vi-VN" sz="3600" b="1" dirty="0">
+              <a:solidFill>
+                <a:srgbClr val="660033"/>
+              </a:solidFill>
+              <a:ea typeface="Microsoft JhengHei" panose="020B0604030504040204" pitchFamily="34" charset="-120"/>
             </a:endParaRPr>
           </a:p>
         </p:txBody>
@@ -4056,57 +4052,27 @@
                 <a:latin typeface="微軟正黑體" pitchFamily="34" charset="-120"/>
                 <a:ea typeface="微軟正黑體" pitchFamily="34" charset="-120"/>
               </a:rPr>
-              <a:t>諸天述</a:t>
-            </a:r>
-            <a:r>
-              <a:rPr lang="zh-TW" altLang="en-US" sz="6400" b="1" dirty="0">
+              <a:t>諸天述說</a:t>
+            </a:r>
+            <a:r>
+              <a:rPr lang="zh-CN" altLang="en-US" sz="6400" b="1" dirty="0">
                 <a:solidFill>
                   <a:srgbClr val="660033"/>
                 </a:solidFill>
                 <a:latin typeface="微軟正黑體" pitchFamily="34" charset="-120"/>
                 <a:ea typeface="微軟正黑體" pitchFamily="34" charset="-120"/>
               </a:rPr>
-              <a:t>說</a:t>
-            </a:r>
-            <a:r>
-              <a:rPr lang="zh-CN" altLang="en-US" sz="6400" b="1" dirty="0">
+              <a:t>袮</a:t>
+            </a:r>
+            <a:r>
+              <a:rPr lang="zh-TW" altLang="en-US" sz="6400" b="1" dirty="0">
                 <a:solidFill>
                   <a:srgbClr val="660033"/>
                 </a:solidFill>
                 <a:latin typeface="微軟正黑體" pitchFamily="34" charset="-120"/>
                 <a:ea typeface="微軟正黑體" pitchFamily="34" charset="-120"/>
               </a:rPr>
-              <a:t>袮</a:t>
-            </a:r>
-            <a:r>
-              <a:rPr lang="zh-TW" altLang="en-US" sz="6400" b="1" dirty="0">
-                <a:solidFill>
-                  <a:srgbClr val="660033"/>
-                </a:solidFill>
-                <a:latin typeface="微軟正黑體" pitchFamily="34" charset="-120"/>
-                <a:ea typeface="微軟正黑體" pitchFamily="34" charset="-120"/>
-              </a:rPr>
-              <a:t>的</a:t>
-            </a:r>
-            <a:r>
-              <a:rPr lang="zh-TW" altLang="en-US" sz="6400" b="1" dirty="0">
-                <a:solidFill>
-                  <a:srgbClr val="660033"/>
-                </a:solidFill>
-                <a:latin typeface="微軟正黑體" pitchFamily="34" charset="-120"/>
-                <a:ea typeface="微軟正黑體" pitchFamily="34" charset="-120"/>
-              </a:rPr>
-              <a:t>榮</a:t>
-            </a:r>
-            <a:r>
-              <a:rPr lang="zh-TW" altLang="en-US" sz="6400" b="1" dirty="0">
-                <a:solidFill>
-                  <a:srgbClr val="660033"/>
-                </a:solidFill>
-                <a:latin typeface="微軟正黑體" pitchFamily="34" charset="-120"/>
-                <a:ea typeface="微軟正黑體" pitchFamily="34" charset="-120"/>
-              </a:rPr>
-              <a:t>耀</a:t>
+              <a:t>的榮耀</a:t>
             </a:r>
             <a:endParaRPr lang="en-US" altLang="zh-TW" sz="6400" b="1" dirty="0">
               <a:solidFill>
@@ -4128,17 +4094,17 @@
                 <a:latin typeface="微軟正黑體" pitchFamily="34" charset="-120"/>
                 <a:ea typeface="微軟正黑體" pitchFamily="34" charset="-120"/>
               </a:rPr>
-              <a:t>穹</a:t>
-            </a:r>
-            <a:r>
-              <a:rPr lang="zh-TW" altLang="en-US" sz="6400" b="1" dirty="0">
+              <a:t>穹蒼傳揚</a:t>
+            </a:r>
+            <a:r>
+              <a:rPr lang="zh-CN" altLang="en-US" sz="6400" b="1" dirty="0">
                 <a:solidFill>
                   <a:srgbClr val="660033"/>
                 </a:solidFill>
                 <a:latin typeface="微軟正黑體" pitchFamily="34" charset="-120"/>
                 <a:ea typeface="微軟正黑體" pitchFamily="34" charset="-120"/>
               </a:rPr>
-              <a:t>蒼傳</a:t>
+              <a:t>袮</a:t>
             </a:r>
             <a:r>
               <a:rPr lang="zh-TW" altLang="en-US" sz="6400" b="1" dirty="0">
@@ -4148,37 +4114,7 @@
                 <a:latin typeface="微軟正黑體" pitchFamily="34" charset="-120"/>
                 <a:ea typeface="微軟正黑體" pitchFamily="34" charset="-120"/>
               </a:rPr>
-              <a:t>揚</a:t>
-            </a:r>
-            <a:r>
-              <a:rPr lang="zh-CN" altLang="en-US" sz="6400" b="1" dirty="0">
-                <a:solidFill>
-                  <a:srgbClr val="660033"/>
-                </a:solidFill>
-                <a:latin typeface="微軟正黑體" pitchFamily="34" charset="-120"/>
-                <a:ea typeface="微軟正黑體" pitchFamily="34" charset="-120"/>
-              </a:rPr>
-              <a:t>袮</a:t>
-            </a:r>
-            <a:r>
-              <a:rPr lang="zh-TW" altLang="en-US" sz="6400" b="1" dirty="0">
-                <a:solidFill>
-                  <a:srgbClr val="660033"/>
-                </a:solidFill>
-                <a:latin typeface="微軟正黑體" pitchFamily="34" charset="-120"/>
-                <a:ea typeface="微軟正黑體" pitchFamily="34" charset="-120"/>
-              </a:rPr>
-              <a:t>的</a:t>
-            </a:r>
-            <a:r>
-              <a:rPr lang="zh-TW" altLang="en-US" sz="6400" b="1" dirty="0">
-                <a:solidFill>
-                  <a:srgbClr val="660033"/>
-                </a:solidFill>
-                <a:latin typeface="微軟正黑體" pitchFamily="34" charset="-120"/>
-                <a:ea typeface="微軟正黑體" pitchFamily="34" charset="-120"/>
-              </a:rPr>
-              <a:t>作為</a:t>
+              <a:t>的作為</a:t>
             </a:r>
             <a:endParaRPr lang="en-US" altLang="zh-TW" sz="6400" b="1" dirty="0">
               <a:solidFill>
@@ -4186,6 +4122,78 @@
               </a:solidFill>
               <a:latin typeface="微軟正黑體" pitchFamily="34" charset="-120"/>
               <a:ea typeface="微軟正黑體" pitchFamily="34" charset="-120"/>
+            </a:endParaRPr>
+          </a:p>
+        </p:txBody>
+      </p:sp>
+      <p:sp>
+        <p:nvSpPr>
+          <p:cNvPr id="3" name="TextBox 2"/>
+          <p:cNvSpPr txBox="1"/>
+          <p:nvPr/>
+        </p:nvSpPr>
+        <p:spPr>
+          <a:xfrm>
+            <a:off x="0" y="5245433"/>
+            <a:ext cx="12192000" cy="646331"/>
+          </a:xfrm>
+          <a:prstGeom prst="rect">
+            <a:avLst/>
+          </a:prstGeom>
+          <a:noFill/>
+        </p:spPr>
+        <p:txBody>
+          <a:bodyPr wrap="square" rtlCol="0">
+            <a:spAutoFit/>
+          </a:bodyPr>
+          <a:lstStyle/>
+          <a:p>
+            <a:pPr algn="ctr"/>
+            <a:r>
+              <a:rPr lang="en-US" sz="3600" b="1" dirty="0">
+                <a:solidFill>
+                  <a:srgbClr val="660033"/>
+                </a:solidFill>
+                <a:latin typeface="Microsoft JhengHei" panose="020B0604030504040204" pitchFamily="34" charset="-120"/>
+                <a:ea typeface="Microsoft JhengHei" panose="020B0604030504040204" pitchFamily="34" charset="-120"/>
+              </a:rPr>
+              <a:t>( </a:t>
+            </a:r>
+            <a:r>
+              <a:rPr lang="zh-CN" altLang="en-US" sz="3600" b="1" dirty="0" smtClean="0">
+                <a:solidFill>
+                  <a:srgbClr val="660033"/>
+                </a:solidFill>
+                <a:latin typeface="Microsoft JhengHei" panose="020B0604030504040204" pitchFamily="34" charset="-120"/>
+                <a:ea typeface="Microsoft JhengHei" panose="020B0604030504040204" pitchFamily="34" charset="-120"/>
+              </a:rPr>
+              <a:t>橋</a:t>
+            </a:r>
+            <a:r>
+              <a:rPr lang="en-US" sz="3600" b="1" dirty="0" smtClean="0">
+                <a:solidFill>
+                  <a:srgbClr val="660033"/>
+                </a:solidFill>
+                <a:latin typeface="Microsoft JhengHei" panose="020B0604030504040204" pitchFamily="34" charset="-120"/>
+                <a:ea typeface="Microsoft JhengHei" panose="020B0604030504040204" pitchFamily="34" charset="-120"/>
+              </a:rPr>
+              <a:t> </a:t>
+            </a:r>
+            <a:r>
+              <a:rPr lang="en-US" sz="3600" b="1" dirty="0">
+                <a:solidFill>
+                  <a:srgbClr val="660033"/>
+                </a:solidFill>
+                <a:latin typeface="Microsoft JhengHei" panose="020B0604030504040204" pitchFamily="34" charset="-120"/>
+                <a:ea typeface="Microsoft JhengHei" panose="020B0604030504040204" pitchFamily="34" charset="-120"/>
+              </a:rPr>
+              <a:t>)</a:t>
+            </a:r>
+            <a:endParaRPr lang="vi-VN" sz="3600" b="1" dirty="0">
+              <a:solidFill>
+                <a:srgbClr val="660033"/>
+              </a:solidFill>
+              <a:ea typeface="Microsoft JhengHei" panose="020B0604030504040204" pitchFamily="34" charset="-120"/>
             </a:endParaRPr>
           </a:p>
         </p:txBody>
